--- a/presentations/source/02-REST-Introduction.pptx
+++ b/presentations/source/02-REST-Introduction.pptx
@@ -230,7 +230,7 @@
             <a:fld id="{7307762F-A706-E543-A832-3C298AA3103F}" type="datetimeFigureOut">
               <a:rPr lang="en-US" smtClean="0"/>
               <a:pPr/>
-              <a:t>01/11/2012</a:t>
+              <a:t>18/12/2012</a:t>
             </a:fld>
             <a:endParaRPr lang="en-US" dirty="0"/>
           </a:p>
@@ -1242,7 +1242,7 @@
           <a:p>
             <a:fld id="{875CF0EB-321F-0749-B37A-89BBA859503C}" type="datetimeFigureOut">
               <a:rPr lang="en-US" smtClean="0"/>
-              <a:t>01/11/2012</a:t>
+              <a:t>18/12/2012</a:t>
             </a:fld>
             <a:endParaRPr lang="en-US"/>
           </a:p>
@@ -1446,7 +1446,7 @@
           <a:p>
             <a:fld id="{875CF0EB-321F-0749-B37A-89BBA859503C}" type="datetimeFigureOut">
               <a:rPr lang="en-US" smtClean="0"/>
-              <a:t>01/11/2012</a:t>
+              <a:t>18/12/2012</a:t>
             </a:fld>
             <a:endParaRPr lang="en-US"/>
           </a:p>
@@ -1640,7 +1640,7 @@
           <a:p>
             <a:fld id="{875CF0EB-321F-0749-B37A-89BBA859503C}" type="datetimeFigureOut">
               <a:rPr lang="en-US" smtClean="0"/>
-              <a:t>01/11/2012</a:t>
+              <a:t>18/12/2012</a:t>
             </a:fld>
             <a:endParaRPr lang="en-US"/>
           </a:p>
@@ -1910,7 +1910,7 @@
           <a:p>
             <a:fld id="{875CF0EB-321F-0749-B37A-89BBA859503C}" type="datetimeFigureOut">
               <a:rPr lang="en-US" smtClean="0"/>
-              <a:t>01/11/2012</a:t>
+              <a:t>18/12/2012</a:t>
             </a:fld>
             <a:endParaRPr lang="en-US"/>
           </a:p>
@@ -2222,7 +2222,7 @@
           <a:p>
             <a:fld id="{875CF0EB-321F-0749-B37A-89BBA859503C}" type="datetimeFigureOut">
               <a:rPr lang="en-US" smtClean="0"/>
-              <a:t>01/11/2012</a:t>
+              <a:t>18/12/2012</a:t>
             </a:fld>
             <a:endParaRPr lang="en-US"/>
           </a:p>
@@ -2668,7 +2668,7 @@
           <a:p>
             <a:fld id="{875CF0EB-321F-0749-B37A-89BBA859503C}" type="datetimeFigureOut">
               <a:rPr lang="en-US" smtClean="0"/>
-              <a:t>01/11/2012</a:t>
+              <a:t>18/12/2012</a:t>
             </a:fld>
             <a:endParaRPr lang="en-US"/>
           </a:p>
@@ -2810,7 +2810,7 @@
           <a:p>
             <a:fld id="{875CF0EB-321F-0749-B37A-89BBA859503C}" type="datetimeFigureOut">
               <a:rPr lang="en-US" smtClean="0"/>
-              <a:t>01/11/2012</a:t>
+              <a:t>18/12/2012</a:t>
             </a:fld>
             <a:endParaRPr lang="en-US"/>
           </a:p>
@@ -2929,7 +2929,7 @@
           <a:p>
             <a:fld id="{875CF0EB-321F-0749-B37A-89BBA859503C}" type="datetimeFigureOut">
               <a:rPr lang="en-US" smtClean="0"/>
-              <a:t>01/11/2012</a:t>
+              <a:t>18/12/2012</a:t>
             </a:fld>
             <a:endParaRPr lang="en-US"/>
           </a:p>
@@ -3230,7 +3230,7 @@
           <a:p>
             <a:fld id="{875CF0EB-321F-0749-B37A-89BBA859503C}" type="datetimeFigureOut">
               <a:rPr lang="en-US" smtClean="0"/>
-              <a:t>01/11/2012</a:t>
+              <a:t>18/12/2012</a:t>
             </a:fld>
             <a:endParaRPr lang="en-US"/>
           </a:p>
@@ -3507,7 +3507,7 @@
           <a:p>
             <a:fld id="{875CF0EB-321F-0749-B37A-89BBA859503C}" type="datetimeFigureOut">
               <a:rPr lang="en-US" smtClean="0"/>
-              <a:t>01/11/2012</a:t>
+              <a:t>18/12/2012</a:t>
             </a:fld>
             <a:endParaRPr lang="en-US"/>
           </a:p>
@@ -6167,57 +6167,67 @@
         </p:nvSpPr>
         <p:spPr/>
         <p:txBody>
-          <a:bodyPr>
-            <a:normAutofit/>
-          </a:bodyPr>
+          <a:bodyPr/>
           <a:lstStyle/>
           <a:p>
             <a:r>
-              <a:rPr lang="en-US" dirty="0" smtClean="0">
-                <a:solidFill>
-                  <a:schemeClr val="bg1">
-                    <a:lumMod val="50000"/>
-                  </a:schemeClr>
-                </a:solidFill>
+              <a:rPr lang="en-US" smtClean="0"/>
+              <a:t>Understanding HTTP </a:t>
+            </a:r>
+            <a:br>
+              <a:rPr lang="en-US" smtClean="0"/>
+            </a:br>
+            <a:r>
+              <a:rPr lang="en-US" smtClean="0"/>
+              <a:t>and REST</a:t>
+            </a:r>
+            <a:endParaRPr lang="en-US" dirty="0"/>
+          </a:p>
+        </p:txBody>
+      </p:sp>
+      <p:sp>
+        <p:nvSpPr>
+          <p:cNvPr id="4" name="Subtitle 3"/>
+          <p:cNvSpPr>
+            <a:spLocks noGrp="1"/>
+          </p:cNvSpPr>
+          <p:nvPr>
+            <p:ph type="subTitle" idx="1"/>
+          </p:nvPr>
+        </p:nvSpPr>
+        <p:spPr/>
+        <p:txBody>
+          <a:bodyPr/>
+          <a:lstStyle/>
+          <a:p>
+            <a:r>
+              <a:rPr lang="en-US" dirty="0">
+                <a:ea typeface="ヒラギノ角ゴ ProN W3" charset="0"/>
+                <a:cs typeface="ヒラギノ角ゴ ProN W3" charset="0"/>
               </a:rPr>
-              <a:t>Understanding </a:t>
-            </a:r>
-            <a:r>
-              <a:rPr lang="en-US" dirty="0" smtClean="0">
-                <a:solidFill>
-                  <a:schemeClr val="bg1">
-                    <a:lumMod val="50000"/>
-                  </a:schemeClr>
-                </a:solidFill>
+              <a:t>Oxford University </a:t>
+            </a:r>
+          </a:p>
+          <a:p>
+            <a:r>
+              <a:rPr lang="en-US" dirty="0">
+                <a:ea typeface="ヒラギノ角ゴ ProN W3" charset="0"/>
+                <a:cs typeface="ヒラギノ角ゴ ProN W3" charset="0"/>
               </a:rPr>
-              <a:t>HTTP </a:t>
-            </a:r>
-            <a:br>
-              <a:rPr lang="en-US" dirty="0" smtClean="0">
-                <a:solidFill>
-                  <a:schemeClr val="bg1">
-                    <a:lumMod val="50000"/>
-                  </a:schemeClr>
-                </a:solidFill>
+              <a:t>Software Engineering Programme</a:t>
+            </a:r>
+          </a:p>
+          <a:p>
+            <a:r>
+              <a:rPr lang="en-US">
+                <a:ea typeface="ヒラギノ角ゴ ProN W3" charset="0"/>
+                <a:cs typeface="ヒラギノ角ゴ ProN W3" charset="0"/>
               </a:rPr>
-            </a:br>
-            <a:r>
-              <a:rPr lang="en-US" dirty="0" smtClean="0">
-                <a:solidFill>
-                  <a:schemeClr val="bg1">
-                    <a:lumMod val="50000"/>
-                  </a:schemeClr>
-                </a:solidFill>
-              </a:rPr>
-              <a:t>and REST</a:t>
-            </a:r>
-            <a:endParaRPr lang="en-US" dirty="0">
-              <a:solidFill>
-                <a:schemeClr val="bg1">
-                  <a:lumMod val="50000"/>
-                </a:schemeClr>
-              </a:solidFill>
-            </a:endParaRPr>
+              <a:t>Dec 2012</a:t>
+            </a:r>
+          </a:p>
+          <a:p>
+            <a:endParaRPr lang="en-US"/>
           </a:p>
         </p:txBody>
       </p:sp>
@@ -8139,7 +8149,6 @@
               <a:rPr lang="en-US" dirty="0"/>
               <a:t>–1992</a:t>
             </a:r>
-            <a:endParaRPr lang="en-US" dirty="0"/>
           </a:p>
         </p:txBody>
       </p:sp>
@@ -10970,7 +10979,6 @@
               <a:rPr lang="en-US" dirty="0"/>
               <a:t>extensions for security</a:t>
             </a:r>
-            <a:endParaRPr lang="en-US" dirty="0"/>
           </a:p>
         </p:txBody>
       </p:sp>

--- a/presentations/source/02-REST-Introduction.pptx
+++ b/presentations/source/02-REST-Introduction.pptx
@@ -5,7 +5,7 @@
     <p:sldMasterId id="2147483648" r:id="rId1"/>
   </p:sldMasterIdLst>
   <p:notesMasterIdLst>
-    <p:notesMasterId r:id="rId36"/>
+    <p:notesMasterId r:id="rId37"/>
   </p:notesMasterIdLst>
   <p:sldIdLst>
     <p:sldId id="256" r:id="rId2"/>
@@ -41,7 +41,8 @@
     <p:sldId id="260" r:id="rId32"/>
     <p:sldId id="265" r:id="rId33"/>
     <p:sldId id="266" r:id="rId34"/>
-    <p:sldId id="267" r:id="rId35"/>
+    <p:sldId id="291" r:id="rId35"/>
+    <p:sldId id="267" r:id="rId36"/>
   </p:sldIdLst>
   <p:sldSz cx="9144000" cy="6858000" type="screen4x3"/>
   <p:notesSz cx="6858000" cy="9144000"/>
@@ -230,7 +231,7 @@
             <a:fld id="{7307762F-A706-E543-A832-3C298AA3103F}" type="datetimeFigureOut">
               <a:rPr lang="en-US" smtClean="0"/>
               <a:pPr/>
-              <a:t>18/12/2012</a:t>
+              <a:t>11/27/13</a:t>
             </a:fld>
             <a:endParaRPr lang="en-US" dirty="0"/>
           </a:p>
@@ -1242,7 +1243,7 @@
           <a:p>
             <a:fld id="{875CF0EB-321F-0749-B37A-89BBA859503C}" type="datetimeFigureOut">
               <a:rPr lang="en-US" smtClean="0"/>
-              <a:t>18/12/2012</a:t>
+              <a:t>11/27/13</a:t>
             </a:fld>
             <a:endParaRPr lang="en-US"/>
           </a:p>
@@ -1446,7 +1447,7 @@
           <a:p>
             <a:fld id="{875CF0EB-321F-0749-B37A-89BBA859503C}" type="datetimeFigureOut">
               <a:rPr lang="en-US" smtClean="0"/>
-              <a:t>18/12/2012</a:t>
+              <a:t>11/27/13</a:t>
             </a:fld>
             <a:endParaRPr lang="en-US"/>
           </a:p>
@@ -1640,7 +1641,7 @@
           <a:p>
             <a:fld id="{875CF0EB-321F-0749-B37A-89BBA859503C}" type="datetimeFigureOut">
               <a:rPr lang="en-US" smtClean="0"/>
-              <a:t>18/12/2012</a:t>
+              <a:t>11/27/13</a:t>
             </a:fld>
             <a:endParaRPr lang="en-US"/>
           </a:p>
@@ -1910,7 +1911,7 @@
           <a:p>
             <a:fld id="{875CF0EB-321F-0749-B37A-89BBA859503C}" type="datetimeFigureOut">
               <a:rPr lang="en-US" smtClean="0"/>
-              <a:t>18/12/2012</a:t>
+              <a:t>11/27/13</a:t>
             </a:fld>
             <a:endParaRPr lang="en-US"/>
           </a:p>
@@ -2222,7 +2223,7 @@
           <a:p>
             <a:fld id="{875CF0EB-321F-0749-B37A-89BBA859503C}" type="datetimeFigureOut">
               <a:rPr lang="en-US" smtClean="0"/>
-              <a:t>18/12/2012</a:t>
+              <a:t>11/27/13</a:t>
             </a:fld>
             <a:endParaRPr lang="en-US"/>
           </a:p>
@@ -2668,7 +2669,7 @@
           <a:p>
             <a:fld id="{875CF0EB-321F-0749-B37A-89BBA859503C}" type="datetimeFigureOut">
               <a:rPr lang="en-US" smtClean="0"/>
-              <a:t>18/12/2012</a:t>
+              <a:t>11/27/13</a:t>
             </a:fld>
             <a:endParaRPr lang="en-US"/>
           </a:p>
@@ -2810,7 +2811,7 @@
           <a:p>
             <a:fld id="{875CF0EB-321F-0749-B37A-89BBA859503C}" type="datetimeFigureOut">
               <a:rPr lang="en-US" smtClean="0"/>
-              <a:t>18/12/2012</a:t>
+              <a:t>11/27/13</a:t>
             </a:fld>
             <a:endParaRPr lang="en-US"/>
           </a:p>
@@ -2929,7 +2930,7 @@
           <a:p>
             <a:fld id="{875CF0EB-321F-0749-B37A-89BBA859503C}" type="datetimeFigureOut">
               <a:rPr lang="en-US" smtClean="0"/>
-              <a:t>18/12/2012</a:t>
+              <a:t>11/27/13</a:t>
             </a:fld>
             <a:endParaRPr lang="en-US"/>
           </a:p>
@@ -3230,7 +3231,7 @@
           <a:p>
             <a:fld id="{875CF0EB-321F-0749-B37A-89BBA859503C}" type="datetimeFigureOut">
               <a:rPr lang="en-US" smtClean="0"/>
-              <a:t>18/12/2012</a:t>
+              <a:t>11/27/13</a:t>
             </a:fld>
             <a:endParaRPr lang="en-US"/>
           </a:p>
@@ -3507,7 +3508,7 @@
           <a:p>
             <a:fld id="{875CF0EB-321F-0749-B37A-89BBA859503C}" type="datetimeFigureOut">
               <a:rPr lang="en-US" smtClean="0"/>
-              <a:t>18/12/2012</a:t>
+              <a:t>11/27/13</a:t>
             </a:fld>
             <a:endParaRPr lang="en-US"/>
           </a:p>
@@ -6223,11 +6224,22 @@
                 <a:ea typeface="ヒラギノ角ゴ ProN W3" charset="0"/>
                 <a:cs typeface="ヒラギノ角ゴ ProN W3" charset="0"/>
               </a:rPr>
-              <a:t>Dec 2012</a:t>
-            </a:r>
-          </a:p>
-          <a:p>
-            <a:endParaRPr lang="en-US"/>
+              <a:t>Dec </a:t>
+            </a:r>
+            <a:r>
+              <a:rPr lang="en-US" smtClean="0">
+                <a:ea typeface="ヒラギノ角ゴ ProN W3" charset="0"/>
+                <a:cs typeface="ヒラギノ角ゴ ProN W3" charset="0"/>
+              </a:rPr>
+              <a:t>2013</a:t>
+            </a:r>
+            <a:endParaRPr lang="en-US" dirty="0">
+              <a:ea typeface="ヒラギノ角ゴ ProN W3" charset="0"/>
+              <a:cs typeface="ヒラギノ角ゴ ProN W3" charset="0"/>
+            </a:endParaRPr>
+          </a:p>
+          <a:p>
+            <a:endParaRPr lang="en-US" dirty="0"/>
           </a:p>
         </p:txBody>
       </p:sp>
@@ -10838,6 +10850,59 @@
 </file>
 
 <file path=ppt/slides/slide34.xml><?xml version="1.0" encoding="utf-8"?>
+<p:sld xmlns:a="http://schemas.openxmlformats.org/drawingml/2006/main" xmlns:r="http://schemas.openxmlformats.org/officeDocument/2006/relationships" xmlns:p="http://schemas.openxmlformats.org/presentationml/2006/main">
+  <p:cSld>
+    <p:spTree>
+      <p:nvGrpSpPr>
+        <p:cNvPr id="1" name=""/>
+        <p:cNvGrpSpPr/>
+        <p:nvPr/>
+      </p:nvGrpSpPr>
+      <p:grpSpPr>
+        <a:xfrm>
+          <a:off x="0" y="0"/>
+          <a:ext cx="0" cy="0"/>
+          <a:chOff x="0" y="0"/>
+          <a:chExt cx="0" cy="0"/>
+        </a:xfrm>
+      </p:grpSpPr>
+      <p:pic>
+        <p:nvPicPr>
+          <p:cNvPr id="4" name="Picture 3"/>
+          <p:cNvPicPr>
+            <a:picLocks noChangeAspect="1"/>
+          </p:cNvPicPr>
+          <p:nvPr/>
+        </p:nvPicPr>
+        <p:blipFill rotWithShape="1">
+          <a:blip r:embed="rId2"/>
+          <a:srcRect t="5681" b="15413"/>
+          <a:stretch/>
+        </p:blipFill>
+        <p:spPr>
+          <a:xfrm>
+            <a:off x="2146300" y="389617"/>
+            <a:ext cx="4845502" cy="5411363"/>
+          </a:xfrm>
+          <a:prstGeom prst="rect">
+            <a:avLst/>
+          </a:prstGeom>
+        </p:spPr>
+      </p:pic>
+    </p:spTree>
+    <p:extLst>
+      <p:ext uri="{BB962C8B-B14F-4D97-AF65-F5344CB8AC3E}">
+        <p14:creationId xmlns:p14="http://schemas.microsoft.com/office/powerpoint/2010/main" val="3267932114"/>
+      </p:ext>
+    </p:extLst>
+  </p:cSld>
+  <p:clrMapOvr>
+    <a:masterClrMapping/>
+  </p:clrMapOvr>
+</p:sld>
+</file>
+
+<file path=ppt/slides/slide35.xml><?xml version="1.0" encoding="utf-8"?>
 <p:sld xmlns:a="http://schemas.openxmlformats.org/drawingml/2006/main" xmlns:r="http://schemas.openxmlformats.org/officeDocument/2006/relationships" xmlns:p="http://schemas.openxmlformats.org/presentationml/2006/main">
   <p:cSld>
     <p:spTree>

--- a/presentations/source/02-REST-Introduction.pptx
+++ b/presentations/source/02-REST-Introduction.pptx
@@ -5,7 +5,7 @@
     <p:sldMasterId id="2147483648" r:id="rId1"/>
   </p:sldMasterIdLst>
   <p:notesMasterIdLst>
-    <p:notesMasterId r:id="rId37"/>
+    <p:notesMasterId r:id="rId38"/>
   </p:notesMasterIdLst>
   <p:sldIdLst>
     <p:sldId id="256" r:id="rId2"/>
@@ -34,15 +34,16 @@
     <p:sldId id="282" r:id="rId25"/>
     <p:sldId id="262" r:id="rId26"/>
     <p:sldId id="263" r:id="rId27"/>
-    <p:sldId id="283" r:id="rId28"/>
-    <p:sldId id="284" r:id="rId29"/>
-    <p:sldId id="288" r:id="rId30"/>
-    <p:sldId id="264" r:id="rId31"/>
-    <p:sldId id="260" r:id="rId32"/>
-    <p:sldId id="265" r:id="rId33"/>
-    <p:sldId id="266" r:id="rId34"/>
-    <p:sldId id="291" r:id="rId35"/>
-    <p:sldId id="267" r:id="rId36"/>
+    <p:sldId id="292" r:id="rId28"/>
+    <p:sldId id="283" r:id="rId29"/>
+    <p:sldId id="284" r:id="rId30"/>
+    <p:sldId id="288" r:id="rId31"/>
+    <p:sldId id="264" r:id="rId32"/>
+    <p:sldId id="260" r:id="rId33"/>
+    <p:sldId id="265" r:id="rId34"/>
+    <p:sldId id="266" r:id="rId35"/>
+    <p:sldId id="291" r:id="rId36"/>
+    <p:sldId id="267" r:id="rId37"/>
   </p:sldIdLst>
   <p:sldSz cx="9144000" cy="6858000" type="screen4x3"/>
   <p:notesSz cx="6858000" cy="9144000"/>
@@ -231,7 +232,7 @@
             <a:fld id="{7307762F-A706-E543-A832-3C298AA3103F}" type="datetimeFigureOut">
               <a:rPr lang="en-US" smtClean="0"/>
               <a:pPr/>
-              <a:t>11/27/13</a:t>
+              <a:t>11/21/14</a:t>
             </a:fld>
             <a:endParaRPr lang="en-US" dirty="0"/>
           </a:p>
@@ -693,7 +694,7 @@
           <a:p>
             <a:fld id="{4C8664AA-B0B2-4135-A54D-0C5FA1ABBA12}" type="slidenum">
               <a:rPr lang="en-US" smtClean="0"/>
-              <a:t>32</a:t>
+              <a:t>33</a:t>
             </a:fld>
             <a:endParaRPr lang="en-US"/>
           </a:p>
@@ -930,7 +931,7 @@
           <a:p>
             <a:fld id="{4C8664AA-B0B2-4135-A54D-0C5FA1ABBA12}" type="slidenum">
               <a:rPr lang="en-US" smtClean="0"/>
-              <a:t>33</a:t>
+              <a:t>34</a:t>
             </a:fld>
             <a:endParaRPr lang="en-US"/>
           </a:p>
@@ -1243,7 +1244,7 @@
           <a:p>
             <a:fld id="{875CF0EB-321F-0749-B37A-89BBA859503C}" type="datetimeFigureOut">
               <a:rPr lang="en-US" smtClean="0"/>
-              <a:t>11/27/13</a:t>
+              <a:t>11/21/14</a:t>
             </a:fld>
             <a:endParaRPr lang="en-US"/>
           </a:p>
@@ -1447,7 +1448,7 @@
           <a:p>
             <a:fld id="{875CF0EB-321F-0749-B37A-89BBA859503C}" type="datetimeFigureOut">
               <a:rPr lang="en-US" smtClean="0"/>
-              <a:t>11/27/13</a:t>
+              <a:t>11/21/14</a:t>
             </a:fld>
             <a:endParaRPr lang="en-US"/>
           </a:p>
@@ -1641,7 +1642,7 @@
           <a:p>
             <a:fld id="{875CF0EB-321F-0749-B37A-89BBA859503C}" type="datetimeFigureOut">
               <a:rPr lang="en-US" smtClean="0"/>
-              <a:t>11/27/13</a:t>
+              <a:t>11/21/14</a:t>
             </a:fld>
             <a:endParaRPr lang="en-US"/>
           </a:p>
@@ -1911,7 +1912,7 @@
           <a:p>
             <a:fld id="{875CF0EB-321F-0749-B37A-89BBA859503C}" type="datetimeFigureOut">
               <a:rPr lang="en-US" smtClean="0"/>
-              <a:t>11/27/13</a:t>
+              <a:t>11/21/14</a:t>
             </a:fld>
             <a:endParaRPr lang="en-US"/>
           </a:p>
@@ -2223,7 +2224,7 @@
           <a:p>
             <a:fld id="{875CF0EB-321F-0749-B37A-89BBA859503C}" type="datetimeFigureOut">
               <a:rPr lang="en-US" smtClean="0"/>
-              <a:t>11/27/13</a:t>
+              <a:t>11/21/14</a:t>
             </a:fld>
             <a:endParaRPr lang="en-US"/>
           </a:p>
@@ -2669,7 +2670,7 @@
           <a:p>
             <a:fld id="{875CF0EB-321F-0749-B37A-89BBA859503C}" type="datetimeFigureOut">
               <a:rPr lang="en-US" smtClean="0"/>
-              <a:t>11/27/13</a:t>
+              <a:t>11/21/14</a:t>
             </a:fld>
             <a:endParaRPr lang="en-US"/>
           </a:p>
@@ -2811,7 +2812,7 @@
           <a:p>
             <a:fld id="{875CF0EB-321F-0749-B37A-89BBA859503C}" type="datetimeFigureOut">
               <a:rPr lang="en-US" smtClean="0"/>
-              <a:t>11/27/13</a:t>
+              <a:t>11/21/14</a:t>
             </a:fld>
             <a:endParaRPr lang="en-US"/>
           </a:p>
@@ -2930,7 +2931,7 @@
           <a:p>
             <a:fld id="{875CF0EB-321F-0749-B37A-89BBA859503C}" type="datetimeFigureOut">
               <a:rPr lang="en-US" smtClean="0"/>
-              <a:t>11/27/13</a:t>
+              <a:t>11/21/14</a:t>
             </a:fld>
             <a:endParaRPr lang="en-US"/>
           </a:p>
@@ -3231,7 +3232,7 @@
           <a:p>
             <a:fld id="{875CF0EB-321F-0749-B37A-89BBA859503C}" type="datetimeFigureOut">
               <a:rPr lang="en-US" smtClean="0"/>
-              <a:t>11/27/13</a:t>
+              <a:t>11/21/14</a:t>
             </a:fld>
             <a:endParaRPr lang="en-US"/>
           </a:p>
@@ -3508,7 +3509,7 @@
           <a:p>
             <a:fld id="{875CF0EB-321F-0749-B37A-89BBA859503C}" type="datetimeFigureOut">
               <a:rPr lang="en-US" smtClean="0"/>
-              <a:t>11/27/13</a:t>
+              <a:t>11/21/14</a:t>
             </a:fld>
             <a:endParaRPr lang="en-US"/>
           </a:p>
@@ -6231,7 +6232,7 @@
                 <a:ea typeface="ヒラギノ角ゴ ProN W3" charset="0"/>
                 <a:cs typeface="ヒラギノ角ゴ ProN W3" charset="0"/>
               </a:rPr>
-              <a:t>2013</a:t>
+              <a:t>2014</a:t>
             </a:r>
             <a:endParaRPr lang="en-US" dirty="0">
               <a:ea typeface="ヒラギノ角ゴ ProN W3" charset="0"/>
@@ -9623,212 +9624,54 @@
           <a:lstStyle/>
           <a:p>
             <a:r>
-              <a:rPr lang="en-US" dirty="0" err="1" smtClean="0"/>
-              <a:t>Async</a:t>
+              <a:rPr lang="en-US" dirty="0" smtClean="0"/>
+              <a:t>REST description</a:t>
             </a:r>
             <a:endParaRPr lang="en-US" dirty="0"/>
           </a:p>
         </p:txBody>
       </p:sp>
-      <p:sp>
-        <p:nvSpPr>
-          <p:cNvPr id="3" name="Content Placeholder 2"/>
-          <p:cNvSpPr>
-            <a:spLocks noGrp="1"/>
-          </p:cNvSpPr>
-          <p:nvPr>
-            <p:ph idx="1"/>
-          </p:nvPr>
-        </p:nvSpPr>
-        <p:spPr/>
-        <p:txBody>
-          <a:bodyPr>
-            <a:normAutofit fontScale="62500" lnSpcReduction="20000"/>
-          </a:bodyPr>
-          <a:lstStyle/>
-          <a:p>
-            <a:r>
-              <a:rPr lang="en-US" dirty="0"/>
-              <a:t>HTTP is synchronous: request–</a:t>
-            </a:r>
-            <a:r>
-              <a:rPr lang="en-US" dirty="0" smtClean="0"/>
-              <a:t>response</a:t>
-            </a:r>
-          </a:p>
-          <a:p>
-            <a:pPr lvl="1"/>
-            <a:r>
-              <a:rPr lang="en-US" dirty="0"/>
-              <a:t>W</a:t>
-            </a:r>
-            <a:r>
-              <a:rPr lang="en-US" dirty="0" smtClean="0"/>
-              <a:t>hat </a:t>
-            </a:r>
-            <a:r>
-              <a:rPr lang="en-US" dirty="0"/>
-              <a:t>about long-running requests? deferred synchronous interaction</a:t>
-            </a:r>
-          </a:p>
-          <a:p>
-            <a:r>
-              <a:rPr lang="en-US" dirty="0"/>
-              <a:t>C</a:t>
-            </a:r>
-            <a:r>
-              <a:rPr lang="en-US" dirty="0" smtClean="0"/>
-              <a:t>lient </a:t>
-            </a:r>
-            <a:r>
-              <a:rPr lang="en-US" dirty="0"/>
-              <a:t>POSTs request (because not idempotent)</a:t>
-            </a:r>
-          </a:p>
-          <a:p>
-            <a:r>
-              <a:rPr lang="en-US" dirty="0"/>
-              <a:t>POST /queue HTTP/1.1</a:t>
-            </a:r>
-          </a:p>
-          <a:p>
-            <a:r>
-              <a:rPr lang="en-US" dirty="0"/>
-              <a:t>Host: </a:t>
-            </a:r>
-            <a:r>
-              <a:rPr lang="en-US" dirty="0" err="1" smtClean="0"/>
-              <a:t>jobservice.com</a:t>
-            </a:r>
-            <a:endParaRPr lang="en-US" dirty="0"/>
-          </a:p>
-          <a:p>
-            <a:pPr lvl="1"/>
-            <a:r>
-              <a:rPr lang="en-US" dirty="0" smtClean="0"/>
-              <a:t>Please </a:t>
-            </a:r>
-            <a:r>
-              <a:rPr lang="en-US" dirty="0"/>
-              <a:t>tell me whether 2ˆ43,112,609 - 1 is </a:t>
-            </a:r>
-            <a:r>
-              <a:rPr lang="en-US" dirty="0" smtClean="0"/>
-              <a:t>prime</a:t>
-            </a:r>
-          </a:p>
-          <a:p>
-            <a:pPr lvl="1"/>
-            <a:r>
-              <a:rPr lang="en-US" dirty="0" smtClean="0"/>
-              <a:t>server </a:t>
-            </a:r>
-            <a:r>
-              <a:rPr lang="en-US" dirty="0"/>
-              <a:t>queues task, returns code 202 ‘Accepted’ with </a:t>
-            </a:r>
-            <a:endParaRPr lang="en-US" dirty="0" smtClean="0"/>
-          </a:p>
-          <a:p>
-            <a:pPr lvl="2"/>
-            <a:r>
-              <a:rPr lang="en-US" dirty="0" smtClean="0"/>
-              <a:t>URI </a:t>
-            </a:r>
-            <a:r>
-              <a:rPr lang="en-US" dirty="0"/>
-              <a:t>Location: http://</a:t>
-            </a:r>
-            <a:r>
-              <a:rPr lang="en-US" dirty="0" err="1"/>
-              <a:t>jobservice.com</a:t>
-            </a:r>
-            <a:r>
-              <a:rPr lang="en-US" dirty="0"/>
-              <a:t>/queue/</a:t>
-            </a:r>
-            <a:r>
-              <a:rPr lang="en-US" dirty="0" smtClean="0"/>
-              <a:t>job11a4f9</a:t>
-            </a:r>
-          </a:p>
-          <a:p>
-            <a:pPr lvl="2"/>
-            <a:r>
-              <a:rPr lang="en-US" dirty="0" smtClean="0"/>
-              <a:t>202 </a:t>
-            </a:r>
-            <a:r>
-              <a:rPr lang="en-US" dirty="0"/>
-              <a:t>Accepted</a:t>
-            </a:r>
-          </a:p>
-          <a:p>
-            <a:r>
-              <a:rPr lang="en-US" dirty="0"/>
-              <a:t>C</a:t>
-            </a:r>
-            <a:r>
-              <a:rPr lang="en-US" dirty="0" smtClean="0"/>
-              <a:t>lient </a:t>
-            </a:r>
-            <a:r>
-              <a:rPr lang="en-US" dirty="0"/>
-              <a:t>polls resource:</a:t>
-            </a:r>
-          </a:p>
-          <a:p>
-            <a:pPr lvl="1"/>
-            <a:r>
-              <a:rPr lang="en-US" dirty="0"/>
-              <a:t>GET /queue/job11a4f9 HTTP/1.1</a:t>
-            </a:r>
-          </a:p>
-          <a:p>
-            <a:pPr lvl="1"/>
-            <a:r>
-              <a:rPr lang="en-US" dirty="0"/>
-              <a:t>getting either status report or </a:t>
-            </a:r>
-            <a:r>
-              <a:rPr lang="en-US" dirty="0" smtClean="0"/>
-              <a:t>result</a:t>
-            </a:r>
-          </a:p>
-          <a:p>
-            <a:r>
-              <a:rPr lang="en-US" dirty="0" smtClean="0"/>
-              <a:t>Of course </a:t>
-            </a:r>
-            <a:r>
-              <a:rPr lang="en-US" dirty="0" err="1" smtClean="0"/>
-              <a:t>WebSockets</a:t>
-            </a:r>
-            <a:r>
-              <a:rPr lang="en-US" dirty="0" smtClean="0"/>
-              <a:t> could be used to push the response</a:t>
-            </a:r>
-          </a:p>
-          <a:p>
-            <a:pPr lvl="1"/>
-            <a:r>
-              <a:rPr lang="en-US" dirty="0" smtClean="0"/>
-              <a:t>Also see new Push API from W3C</a:t>
-            </a:r>
-            <a:endParaRPr lang="en-US" dirty="0"/>
-          </a:p>
-        </p:txBody>
-      </p:sp>
+      <p:pic>
+        <p:nvPicPr>
+          <p:cNvPr id="4" name="Picture 3"/>
+          <p:cNvPicPr>
+            <a:picLocks noChangeAspect="1"/>
+          </p:cNvPicPr>
+          <p:nvPr/>
+        </p:nvPicPr>
+        <p:blipFill>
+          <a:blip r:embed="rId2"/>
+          <a:stretch>
+            <a:fillRect/>
+          </a:stretch>
+        </p:blipFill>
+        <p:spPr>
+          <a:xfrm>
+            <a:off x="1200301" y="1277938"/>
+            <a:ext cx="6639764" cy="5297952"/>
+          </a:xfrm>
+          <a:prstGeom prst="rect">
+            <a:avLst/>
+          </a:prstGeom>
+        </p:spPr>
+      </p:pic>
     </p:spTree>
     <p:extLst>
       <p:ext uri="{BB962C8B-B14F-4D97-AF65-F5344CB8AC3E}">
-        <p14:creationId xmlns:p14="http://schemas.microsoft.com/office/powerpoint/2010/main" val="494380719"/>
+        <p14:creationId xmlns:p14="http://schemas.microsoft.com/office/powerpoint/2010/main" val="1566224072"/>
       </p:ext>
     </p:extLst>
   </p:cSld>
   <p:clrMapOvr>
     <a:masterClrMapping/>
   </p:clrMapOvr>
+  <p:timing>
+    <p:tnLst>
+      <p:par>
+        <p:cTn xmlns:p14="http://schemas.microsoft.com/office/powerpoint/2010/main" id="1" dur="indefinite" restart="never" nodeType="tmRoot"/>
+      </p:par>
+    </p:tnLst>
+  </p:timing>
 </p:sld>
 </file>
 
@@ -9865,8 +9708,8 @@
           <a:lstStyle/>
           <a:p>
             <a:r>
-              <a:rPr lang="en-US" dirty="0" smtClean="0"/>
-              <a:t>URI Design</a:t>
+              <a:rPr lang="en-US" dirty="0" err="1" smtClean="0"/>
+              <a:t>Async</a:t>
             </a:r>
             <a:endParaRPr lang="en-US" dirty="0"/>
           </a:p>
@@ -9885,133 +9728,177 @@
         <p:spPr/>
         <p:txBody>
           <a:bodyPr>
-            <a:normAutofit fontScale="70000" lnSpcReduction="20000"/>
+            <a:normAutofit fontScale="62500" lnSpcReduction="20000"/>
           </a:bodyPr>
           <a:lstStyle/>
           <a:p>
             <a:r>
-              <a:rPr lang="en-US" dirty="0" smtClean="0"/>
-              <a:t>URIs </a:t>
-            </a:r>
-            <a:r>
-              <a:rPr lang="en-US" dirty="0"/>
-              <a:t>should be meaningful and well-structured</a:t>
-            </a:r>
-          </a:p>
-          <a:p>
-            <a:r>
-              <a:rPr lang="en-US" dirty="0" smtClean="0"/>
-              <a:t>Some believe client </a:t>
-            </a:r>
-            <a:r>
-              <a:rPr lang="en-US" dirty="0"/>
-              <a:t>should be able to construct URI to access a resource (</a:t>
-            </a:r>
-            <a:r>
-              <a:rPr lang="en-US" dirty="0" smtClean="0"/>
-              <a:t>increases surface </a:t>
-            </a:r>
-            <a:r>
-              <a:rPr lang="en-US" dirty="0"/>
-              <a:t>area</a:t>
-            </a:r>
-            <a:r>
-              <a:rPr lang="en-US" dirty="0" smtClean="0"/>
-              <a:t>)</a:t>
-            </a:r>
-          </a:p>
-          <a:p>
-            <a:r>
-              <a:rPr lang="en-US" dirty="0" smtClean="0"/>
-              <a:t>Others say URIs should be opaque!</a:t>
+              <a:rPr lang="en-US" dirty="0"/>
+              <a:t>HTTP is synchronous: request–</a:t>
+            </a:r>
+            <a:r>
+              <a:rPr lang="en-US" dirty="0" smtClean="0"/>
+              <a:t>response</a:t>
             </a:r>
           </a:p>
           <a:p>
             <a:pPr lvl="1"/>
             <a:r>
-              <a:rPr lang="en-US" dirty="0" smtClean="0"/>
-              <a:t>Discuss?!</a:t>
+              <a:rPr lang="en-US" dirty="0"/>
+              <a:t>W</a:t>
+            </a:r>
+            <a:r>
+              <a:rPr lang="en-US" dirty="0" smtClean="0"/>
+              <a:t>hat </a:t>
+            </a:r>
+            <a:r>
+              <a:rPr lang="en-US" dirty="0"/>
+              <a:t>about long-running requests? deferred synchronous interaction</a:t>
+            </a:r>
+          </a:p>
+          <a:p>
+            <a:r>
+              <a:rPr lang="en-US" dirty="0"/>
+              <a:t>C</a:t>
+            </a:r>
+            <a:r>
+              <a:rPr lang="en-US" dirty="0" smtClean="0"/>
+              <a:t>lient </a:t>
+            </a:r>
+            <a:r>
+              <a:rPr lang="en-US" dirty="0"/>
+              <a:t>POSTs request (because not idempotent)</a:t>
+            </a:r>
+          </a:p>
+          <a:p>
+            <a:r>
+              <a:rPr lang="en-US" dirty="0"/>
+              <a:t>POST /queue HTTP/1.1</a:t>
+            </a:r>
+          </a:p>
+          <a:p>
+            <a:r>
+              <a:rPr lang="en-US" dirty="0"/>
+              <a:t>Host: </a:t>
+            </a:r>
+            <a:r>
+              <a:rPr lang="en-US" dirty="0" err="1" smtClean="0"/>
+              <a:t>jobservice.com</a:t>
             </a:r>
             <a:endParaRPr lang="en-US" dirty="0"/>
           </a:p>
           <a:p>
-            <a:r>
-              <a:rPr lang="en-US" dirty="0" smtClean="0"/>
-              <a:t>Use </a:t>
-            </a:r>
-            <a:r>
-              <a:rPr lang="en-US" dirty="0"/>
-              <a:t>paths to separate elements of hierarchy, general to </a:t>
-            </a:r>
-            <a:r>
-              <a:rPr lang="en-US" dirty="0" smtClean="0"/>
-              <a:t>specific </a:t>
-            </a:r>
-          </a:p>
-          <a:p>
-            <a:r>
-              <a:rPr lang="en-US" dirty="0" smtClean="0"/>
-              <a:t>use </a:t>
-            </a:r>
-            <a:r>
-              <a:rPr lang="en-US" dirty="0"/>
-              <a:t>punctuation to separate items at same hierarchical level</a:t>
-            </a:r>
-          </a:p>
-          <a:p>
             <a:pPr lvl="1"/>
             <a:r>
               <a:rPr lang="en-US" dirty="0" smtClean="0"/>
-              <a:t>commas </a:t>
-            </a:r>
-            <a:r>
-              <a:rPr lang="en-US" dirty="0"/>
-              <a:t>when order matters (</a:t>
+              <a:t>Please </a:t>
+            </a:r>
+            <a:r>
+              <a:rPr lang="en-US" dirty="0"/>
+              <a:t>tell me whether 2ˆ43,112,609 - 1 is </a:t>
+            </a:r>
+            <a:r>
+              <a:rPr lang="en-US" dirty="0" smtClean="0"/>
+              <a:t>prime</a:t>
+            </a:r>
+          </a:p>
+          <a:p>
+            <a:pPr lvl="1"/>
+            <a:r>
+              <a:rPr lang="en-US" dirty="0" smtClean="0"/>
+              <a:t>server </a:t>
+            </a:r>
+            <a:r>
+              <a:rPr lang="en-US" dirty="0"/>
+              <a:t>queues task, returns code 202 ‘Accepted’ with </a:t>
+            </a:r>
+            <a:endParaRPr lang="en-US" dirty="0" smtClean="0"/>
+          </a:p>
+          <a:p>
+            <a:pPr lvl="2"/>
+            <a:r>
+              <a:rPr lang="en-US" dirty="0" smtClean="0"/>
+              <a:t>URI </a:t>
+            </a:r>
+            <a:r>
+              <a:rPr lang="en-US" dirty="0"/>
+              <a:t>Location: http://</a:t>
             </a:r>
             <a:r>
               <a:rPr lang="en-US" dirty="0" err="1"/>
-              <a:t>eg</a:t>
-            </a:r>
-            <a:r>
-              <a:rPr lang="en-US" dirty="0"/>
-              <a:t> coordinates), semicolons </a:t>
-            </a:r>
-            <a:r>
-              <a:rPr lang="en-US" dirty="0" smtClean="0"/>
-              <a:t>otherwise</a:t>
+              <a:t>jobservice.com</a:t>
+            </a:r>
+            <a:r>
+              <a:rPr lang="en-US" dirty="0"/>
+              <a:t>/queue/</a:t>
+            </a:r>
+            <a:r>
+              <a:rPr lang="en-US" dirty="0" smtClean="0"/>
+              <a:t>job11a4f9</a:t>
+            </a:r>
+          </a:p>
+          <a:p>
+            <a:pPr lvl="2"/>
+            <a:r>
+              <a:rPr lang="en-US" dirty="0" smtClean="0"/>
+              <a:t>202 </a:t>
+            </a:r>
+            <a:r>
+              <a:rPr lang="en-US" dirty="0"/>
+              <a:t>Accepted</a:t>
+            </a:r>
+          </a:p>
+          <a:p>
+            <a:r>
+              <a:rPr lang="en-US" dirty="0"/>
+              <a:t>C</a:t>
+            </a:r>
+            <a:r>
+              <a:rPr lang="en-US" dirty="0" smtClean="0"/>
+              <a:t>lient </a:t>
+            </a:r>
+            <a:r>
+              <a:rPr lang="en-US" dirty="0"/>
+              <a:t>polls resource:</a:t>
             </a:r>
           </a:p>
           <a:p>
             <a:pPr lvl="1"/>
             <a:r>
-              <a:rPr lang="en-US" dirty="0" smtClean="0"/>
-              <a:t>use </a:t>
-            </a:r>
-            <a:r>
-              <a:rPr lang="en-US" dirty="0"/>
-              <a:t>query variables only for ‘arguments’</a:t>
-            </a:r>
-          </a:p>
-          <a:p>
-            <a:r>
-              <a:rPr lang="en-US" dirty="0" smtClean="0"/>
-              <a:t>URIs </a:t>
-            </a:r>
-            <a:r>
-              <a:rPr lang="en-US" dirty="0"/>
-              <a:t>denote resources, not operations (unless the operation is </a:t>
-            </a:r>
-            <a:r>
-              <a:rPr lang="en-US" dirty="0" smtClean="0"/>
-              <a:t>itself something </a:t>
-            </a:r>
-            <a:r>
-              <a:rPr lang="en-US" dirty="0"/>
-              <a:t>you might CRUD</a:t>
-            </a:r>
-            <a:r>
-              <a:rPr lang="en-US" dirty="0" smtClean="0"/>
-              <a:t>)</a:t>
+              <a:rPr lang="en-US" dirty="0"/>
+              <a:t>GET /queue/job11a4f9 HTTP/1.1</a:t>
+            </a:r>
+          </a:p>
+          <a:p>
+            <a:pPr lvl="1"/>
+            <a:r>
+              <a:rPr lang="en-US" dirty="0"/>
+              <a:t>getting either status report or </a:t>
+            </a:r>
+            <a:r>
+              <a:rPr lang="en-US" dirty="0" smtClean="0"/>
+              <a:t>result</a:t>
+            </a:r>
+          </a:p>
+          <a:p>
+            <a:r>
+              <a:rPr lang="en-US" dirty="0" smtClean="0"/>
+              <a:t>Of course </a:t>
+            </a:r>
+            <a:r>
+              <a:rPr lang="en-US" dirty="0" err="1" smtClean="0"/>
+              <a:t>WebSockets</a:t>
+            </a:r>
+            <a:r>
+              <a:rPr lang="en-US" dirty="0" smtClean="0"/>
+              <a:t> could be used to push the response</a:t>
+            </a:r>
+          </a:p>
+          <a:p>
+            <a:pPr lvl="1"/>
+            <a:r>
+              <a:rPr lang="en-US" dirty="0" smtClean="0"/>
+              <a:t>Also see new Push API from W3C</a:t>
             </a:r>
             <a:endParaRPr lang="en-US" dirty="0"/>
           </a:p>
@@ -10020,7 +9907,7 @@
     </p:spTree>
     <p:extLst>
       <p:ext uri="{BB962C8B-B14F-4D97-AF65-F5344CB8AC3E}">
-        <p14:creationId xmlns:p14="http://schemas.microsoft.com/office/powerpoint/2010/main" val="4271667592"/>
+        <p14:creationId xmlns:p14="http://schemas.microsoft.com/office/powerpoint/2010/main" val="494380719"/>
       </p:ext>
     </p:extLst>
   </p:cSld>
@@ -10064,7 +9951,7 @@
           <a:p>
             <a:r>
               <a:rPr lang="en-US" dirty="0" smtClean="0"/>
-              <a:t>REST Standards</a:t>
+              <a:t>URI Design</a:t>
             </a:r>
             <a:endParaRPr lang="en-US" dirty="0"/>
           </a:p>
@@ -10077,203 +9964,140 @@
             <a:spLocks noGrp="1"/>
           </p:cNvSpPr>
           <p:nvPr>
-            <p:ph sz="half" idx="1"/>
+            <p:ph idx="1"/>
           </p:nvPr>
         </p:nvSpPr>
         <p:spPr/>
         <p:txBody>
           <a:bodyPr>
-            <a:normAutofit fontScale="85000" lnSpcReduction="20000"/>
+            <a:normAutofit fontScale="70000" lnSpcReduction="20000"/>
           </a:bodyPr>
           <a:lstStyle/>
           <a:p>
             <a:r>
-              <a:rPr lang="en-US" b="1" dirty="0" smtClean="0"/>
-              <a:t>HTTP 1.1</a:t>
-            </a:r>
-          </a:p>
-          <a:p>
-            <a:r>
-              <a:rPr lang="en-US" dirty="0" smtClean="0"/>
-              <a:t>URI</a:t>
-            </a:r>
-          </a:p>
-          <a:p>
-            <a:r>
-              <a:rPr lang="en-US" dirty="0" smtClean="0"/>
-              <a:t>URI Template</a:t>
-            </a:r>
-          </a:p>
-          <a:p>
-            <a:r>
-              <a:rPr lang="en-US" b="1" dirty="0" err="1" smtClean="0"/>
-              <a:t>WebSockets</a:t>
-            </a:r>
-            <a:endParaRPr lang="en-US" b="1" dirty="0" smtClean="0"/>
-          </a:p>
-          <a:p>
-            <a:r>
-              <a:rPr lang="en-US" b="1" dirty="0" smtClean="0"/>
-              <a:t>XML, JSON, </a:t>
-            </a:r>
-            <a:r>
-              <a:rPr lang="en-US" b="1" dirty="0" err="1" smtClean="0"/>
-              <a:t>etc</a:t>
-            </a:r>
-            <a:endParaRPr lang="en-US" b="1" dirty="0" smtClean="0"/>
-          </a:p>
-          <a:p>
-            <a:r>
-              <a:rPr lang="en-US" dirty="0" smtClean="0"/>
-              <a:t>Atom/</a:t>
-            </a:r>
-            <a:r>
-              <a:rPr lang="en-US" dirty="0" err="1" smtClean="0"/>
-              <a:t>AtomPub</a:t>
-            </a:r>
-            <a:endParaRPr lang="en-US" dirty="0" smtClean="0"/>
-          </a:p>
-          <a:p>
-            <a:r>
-              <a:rPr lang="en-US" dirty="0" err="1" smtClean="0"/>
-              <a:t>OData</a:t>
-            </a:r>
-            <a:endParaRPr lang="en-US" dirty="0" smtClean="0"/>
-          </a:p>
-          <a:p>
-            <a:r>
-              <a:rPr lang="en-US" dirty="0" err="1" smtClean="0"/>
-              <a:t>OpenId</a:t>
-            </a:r>
-            <a:endParaRPr lang="en-US" dirty="0" smtClean="0"/>
-          </a:p>
-          <a:p>
-            <a:r>
-              <a:rPr lang="en-US" b="1" dirty="0" smtClean="0"/>
-              <a:t>OAuth 1 / 2</a:t>
-            </a:r>
-          </a:p>
-          <a:p>
-            <a:r>
-              <a:rPr lang="en-US" b="1" dirty="0" smtClean="0"/>
-              <a:t>SAML/SAML2</a:t>
-            </a:r>
-          </a:p>
-          <a:p>
-            <a:r>
-              <a:rPr lang="en-US" dirty="0" smtClean="0"/>
-              <a:t>JSON Web Tokens</a:t>
-            </a:r>
-          </a:p>
-        </p:txBody>
-      </p:sp>
-      <p:sp>
-        <p:nvSpPr>
-          <p:cNvPr id="4" name="Content Placeholder 3"/>
-          <p:cNvSpPr>
-            <a:spLocks noGrp="1"/>
-          </p:cNvSpPr>
-          <p:nvPr>
-            <p:ph sz="half" idx="2"/>
-          </p:nvPr>
-        </p:nvSpPr>
-        <p:spPr/>
-        <p:txBody>
-          <a:bodyPr>
-            <a:normAutofit fontScale="85000" lnSpcReduction="20000"/>
-          </a:bodyPr>
-          <a:lstStyle/>
-          <a:p>
-            <a:r>
-              <a:rPr lang="en-US" dirty="0" smtClean="0"/>
-              <a:t>WADL</a:t>
-            </a:r>
-          </a:p>
-          <a:p>
-            <a:r>
-              <a:rPr lang="en-US" dirty="0" smtClean="0"/>
-              <a:t>Swagger</a:t>
-            </a:r>
-          </a:p>
-          <a:p>
-            <a:r>
-              <a:rPr lang="en-US" dirty="0" err="1" smtClean="0"/>
-              <a:t>Json</a:t>
-            </a:r>
-            <a:r>
-              <a:rPr lang="en-US" dirty="0" smtClean="0"/>
-              <a:t> Home</a:t>
-            </a:r>
-          </a:p>
-          <a:p>
-            <a:r>
-              <a:rPr lang="en-US" dirty="0" err="1" smtClean="0"/>
-              <a:t>Json</a:t>
-            </a:r>
-            <a:r>
-              <a:rPr lang="en-US" dirty="0" smtClean="0"/>
-              <a:t> Web Encryption</a:t>
-            </a:r>
-          </a:p>
-          <a:p>
-            <a:r>
-              <a:rPr lang="en-US" dirty="0" err="1" smtClean="0"/>
-              <a:t>Json</a:t>
-            </a:r>
-            <a:r>
-              <a:rPr lang="en-US" dirty="0" smtClean="0"/>
-              <a:t> Web Signature</a:t>
-            </a:r>
-          </a:p>
-          <a:p>
-            <a:r>
-              <a:rPr lang="en-US" dirty="0" err="1" smtClean="0"/>
-              <a:t>Json</a:t>
-            </a:r>
-            <a:r>
-              <a:rPr lang="en-US" dirty="0" smtClean="0"/>
-              <a:t> Patch</a:t>
-            </a:r>
-          </a:p>
-          <a:p>
-            <a:r>
-              <a:rPr lang="en-US" dirty="0" smtClean="0"/>
-              <a:t>SPDY</a:t>
-            </a:r>
-          </a:p>
-          <a:p>
-            <a:r>
-              <a:rPr lang="en-US" dirty="0" err="1" smtClean="0"/>
-              <a:t>HTTPbis</a:t>
-            </a:r>
-            <a:endParaRPr lang="en-US" dirty="0" smtClean="0"/>
-          </a:p>
-          <a:p>
-            <a:r>
-              <a:rPr lang="en-US" dirty="0" smtClean="0"/>
-              <a:t>HTTP Link Header</a:t>
-            </a:r>
-          </a:p>
-          <a:p>
-            <a:r>
-              <a:rPr lang="en-US" dirty="0" err="1" smtClean="0"/>
-              <a:t>Microformats</a:t>
-            </a:r>
-            <a:endParaRPr lang="en-US" dirty="0" smtClean="0"/>
-          </a:p>
-          <a:p>
-            <a:r>
-              <a:rPr lang="en-US" dirty="0" smtClean="0"/>
-              <a:t>RDDL</a:t>
-            </a:r>
-          </a:p>
-          <a:p>
-            <a:r>
-              <a:rPr lang="en-US" dirty="0" smtClean="0"/>
-              <a:t>…</a:t>
-            </a:r>
-          </a:p>
-          <a:p>
+              <a:rPr lang="en-US" dirty="0" smtClean="0"/>
+              <a:t>URIs </a:t>
+            </a:r>
+            <a:r>
+              <a:rPr lang="en-US" dirty="0"/>
+              <a:t>should be meaningful and well-structured</a:t>
+            </a:r>
+          </a:p>
+          <a:p>
+            <a:r>
+              <a:rPr lang="en-US" dirty="0" smtClean="0"/>
+              <a:t>Some believe client </a:t>
+            </a:r>
+            <a:r>
+              <a:rPr lang="en-US" dirty="0"/>
+              <a:t>should be able to construct URI to access a resource (</a:t>
+            </a:r>
+            <a:r>
+              <a:rPr lang="en-US" dirty="0" smtClean="0"/>
+              <a:t>increases surface </a:t>
+            </a:r>
+            <a:r>
+              <a:rPr lang="en-US" dirty="0"/>
+              <a:t>area</a:t>
+            </a:r>
+            <a:r>
+              <a:rPr lang="en-US" dirty="0" smtClean="0"/>
+              <a:t>)</a:t>
+            </a:r>
+          </a:p>
+          <a:p>
+            <a:r>
+              <a:rPr lang="en-US" dirty="0" smtClean="0"/>
+              <a:t>Others say URIs should be opaque!</a:t>
+            </a:r>
+          </a:p>
+          <a:p>
+            <a:pPr lvl="1"/>
+            <a:r>
+              <a:rPr lang="en-US" dirty="0" smtClean="0"/>
+              <a:t>Discuss?!</a:t>
+            </a:r>
+            <a:endParaRPr lang="en-US" dirty="0"/>
+          </a:p>
+          <a:p>
+            <a:r>
+              <a:rPr lang="en-US" dirty="0" smtClean="0"/>
+              <a:t>Use </a:t>
+            </a:r>
+            <a:r>
+              <a:rPr lang="en-US" dirty="0"/>
+              <a:t>paths to separate elements of hierarchy, general to </a:t>
+            </a:r>
+            <a:r>
+              <a:rPr lang="en-US" dirty="0" smtClean="0"/>
+              <a:t>specific </a:t>
+            </a:r>
+          </a:p>
+          <a:p>
+            <a:r>
+              <a:rPr lang="en-US" dirty="0" smtClean="0"/>
+              <a:t>use </a:t>
+            </a:r>
+            <a:r>
+              <a:rPr lang="en-US" dirty="0"/>
+              <a:t>punctuation to separate items at same hierarchical level</a:t>
+            </a:r>
+          </a:p>
+          <a:p>
+            <a:pPr lvl="1"/>
+            <a:r>
+              <a:rPr lang="en-US" dirty="0" smtClean="0"/>
+              <a:t>commas </a:t>
+            </a:r>
+            <a:r>
+              <a:rPr lang="en-US" dirty="0"/>
+              <a:t>when order matters (</a:t>
+            </a:r>
+            <a:r>
+              <a:rPr lang="en-US" dirty="0" err="1"/>
+              <a:t>eg</a:t>
+            </a:r>
+            <a:r>
+              <a:rPr lang="en-US" dirty="0"/>
+              <a:t> coordinates), semicolons </a:t>
+            </a:r>
+            <a:r>
+              <a:rPr lang="en-US" dirty="0" smtClean="0"/>
+              <a:t>otherwise</a:t>
+            </a:r>
+          </a:p>
+          <a:p>
+            <a:pPr lvl="1"/>
+            <a:r>
+              <a:rPr lang="en-US" dirty="0" smtClean="0"/>
+              <a:t>use </a:t>
+            </a:r>
+            <a:r>
+              <a:rPr lang="en-US" dirty="0"/>
+              <a:t>query variables only for ‘arguments’</a:t>
+            </a:r>
+          </a:p>
+          <a:p>
+            <a:r>
+              <a:rPr lang="en-US" dirty="0" smtClean="0"/>
+              <a:t>URIs </a:t>
+            </a:r>
+            <a:r>
+              <a:rPr lang="en-US" dirty="0"/>
+              <a:t>denote resources, not operations (unless the operation is </a:t>
+            </a:r>
+            <a:r>
+              <a:rPr lang="en-US" dirty="0" smtClean="0"/>
+              <a:t>itself something </a:t>
+            </a:r>
+            <a:r>
+              <a:rPr lang="en-US" dirty="0"/>
+              <a:t>you might CRUD</a:t>
+            </a:r>
+            <a:r>
+              <a:rPr lang="en-US" dirty="0" smtClean="0"/>
+              <a:t>)</a:t>
+            </a:r>
             <a:endParaRPr lang="en-US" dirty="0"/>
           </a:p>
         </p:txBody>
@@ -10281,7 +10105,7 @@
     </p:spTree>
     <p:extLst>
       <p:ext uri="{BB962C8B-B14F-4D97-AF65-F5344CB8AC3E}">
-        <p14:creationId xmlns:p14="http://schemas.microsoft.com/office/powerpoint/2010/main" val="1255539898"/>
+        <p14:creationId xmlns:p14="http://schemas.microsoft.com/office/powerpoint/2010/main" val="4271667592"/>
       </p:ext>
     </p:extLst>
   </p:cSld>
@@ -10402,6 +10226,267 @@
           <a:p>
             <a:r>
               <a:rPr lang="en-US" dirty="0" smtClean="0"/>
+              <a:t>REST Standards</a:t>
+            </a:r>
+            <a:endParaRPr lang="en-US" dirty="0"/>
+          </a:p>
+        </p:txBody>
+      </p:sp>
+      <p:sp>
+        <p:nvSpPr>
+          <p:cNvPr id="3" name="Content Placeholder 2"/>
+          <p:cNvSpPr>
+            <a:spLocks noGrp="1"/>
+          </p:cNvSpPr>
+          <p:nvPr>
+            <p:ph sz="half" idx="1"/>
+          </p:nvPr>
+        </p:nvSpPr>
+        <p:spPr/>
+        <p:txBody>
+          <a:bodyPr>
+            <a:normAutofit fontScale="85000" lnSpcReduction="20000"/>
+          </a:bodyPr>
+          <a:lstStyle/>
+          <a:p>
+            <a:r>
+              <a:rPr lang="en-US" b="1" dirty="0" smtClean="0"/>
+              <a:t>HTTP 1.1</a:t>
+            </a:r>
+          </a:p>
+          <a:p>
+            <a:r>
+              <a:rPr lang="en-US" dirty="0" smtClean="0"/>
+              <a:t>URI</a:t>
+            </a:r>
+          </a:p>
+          <a:p>
+            <a:r>
+              <a:rPr lang="en-US" dirty="0" smtClean="0"/>
+              <a:t>URI Template</a:t>
+            </a:r>
+          </a:p>
+          <a:p>
+            <a:r>
+              <a:rPr lang="en-US" b="1" dirty="0" err="1" smtClean="0"/>
+              <a:t>WebSockets</a:t>
+            </a:r>
+            <a:endParaRPr lang="en-US" b="1" dirty="0" smtClean="0"/>
+          </a:p>
+          <a:p>
+            <a:r>
+              <a:rPr lang="en-US" b="1" dirty="0" smtClean="0"/>
+              <a:t>XML, JSON, </a:t>
+            </a:r>
+            <a:r>
+              <a:rPr lang="en-US" b="1" dirty="0" err="1" smtClean="0"/>
+              <a:t>etc</a:t>
+            </a:r>
+            <a:endParaRPr lang="en-US" b="1" dirty="0" smtClean="0"/>
+          </a:p>
+          <a:p>
+            <a:r>
+              <a:rPr lang="en-US" dirty="0" smtClean="0"/>
+              <a:t>Atom/</a:t>
+            </a:r>
+            <a:r>
+              <a:rPr lang="en-US" dirty="0" err="1" smtClean="0"/>
+              <a:t>AtomPub</a:t>
+            </a:r>
+            <a:endParaRPr lang="en-US" dirty="0" smtClean="0"/>
+          </a:p>
+          <a:p>
+            <a:r>
+              <a:rPr lang="en-US" dirty="0" err="1" smtClean="0"/>
+              <a:t>OData</a:t>
+            </a:r>
+            <a:endParaRPr lang="en-US" dirty="0" smtClean="0"/>
+          </a:p>
+          <a:p>
+            <a:r>
+              <a:rPr lang="en-US" dirty="0" err="1" smtClean="0"/>
+              <a:t>OpenId</a:t>
+            </a:r>
+            <a:endParaRPr lang="en-US" dirty="0" smtClean="0"/>
+          </a:p>
+          <a:p>
+            <a:r>
+              <a:rPr lang="en-US" b="1" dirty="0" smtClean="0"/>
+              <a:t>OAuth 1 / 2</a:t>
+            </a:r>
+          </a:p>
+          <a:p>
+            <a:r>
+              <a:rPr lang="en-US" b="1" dirty="0" smtClean="0"/>
+              <a:t>SAML/SAML2</a:t>
+            </a:r>
+          </a:p>
+          <a:p>
+            <a:r>
+              <a:rPr lang="en-US" dirty="0" smtClean="0"/>
+              <a:t>JSON Web Tokens</a:t>
+            </a:r>
+          </a:p>
+        </p:txBody>
+      </p:sp>
+      <p:sp>
+        <p:nvSpPr>
+          <p:cNvPr id="4" name="Content Placeholder 3"/>
+          <p:cNvSpPr>
+            <a:spLocks noGrp="1"/>
+          </p:cNvSpPr>
+          <p:nvPr>
+            <p:ph sz="half" idx="2"/>
+          </p:nvPr>
+        </p:nvSpPr>
+        <p:spPr/>
+        <p:txBody>
+          <a:bodyPr>
+            <a:normAutofit fontScale="85000" lnSpcReduction="20000"/>
+          </a:bodyPr>
+          <a:lstStyle/>
+          <a:p>
+            <a:r>
+              <a:rPr lang="en-US" dirty="0" smtClean="0"/>
+              <a:t>WADL</a:t>
+            </a:r>
+          </a:p>
+          <a:p>
+            <a:r>
+              <a:rPr lang="en-US" dirty="0" smtClean="0"/>
+              <a:t>Swagger</a:t>
+            </a:r>
+          </a:p>
+          <a:p>
+            <a:r>
+              <a:rPr lang="en-US" dirty="0" err="1" smtClean="0"/>
+              <a:t>Json</a:t>
+            </a:r>
+            <a:r>
+              <a:rPr lang="en-US" dirty="0" smtClean="0"/>
+              <a:t> Home</a:t>
+            </a:r>
+          </a:p>
+          <a:p>
+            <a:r>
+              <a:rPr lang="en-US" dirty="0" err="1" smtClean="0"/>
+              <a:t>Json</a:t>
+            </a:r>
+            <a:r>
+              <a:rPr lang="en-US" dirty="0" smtClean="0"/>
+              <a:t> Web Encryption</a:t>
+            </a:r>
+          </a:p>
+          <a:p>
+            <a:r>
+              <a:rPr lang="en-US" dirty="0" err="1" smtClean="0"/>
+              <a:t>Json</a:t>
+            </a:r>
+            <a:r>
+              <a:rPr lang="en-US" dirty="0" smtClean="0"/>
+              <a:t> Web Signature</a:t>
+            </a:r>
+          </a:p>
+          <a:p>
+            <a:r>
+              <a:rPr lang="en-US" dirty="0" err="1" smtClean="0"/>
+              <a:t>Json</a:t>
+            </a:r>
+            <a:r>
+              <a:rPr lang="en-US" dirty="0" smtClean="0"/>
+              <a:t> Patch</a:t>
+            </a:r>
+          </a:p>
+          <a:p>
+            <a:r>
+              <a:rPr lang="en-US" dirty="0" smtClean="0"/>
+              <a:t>SPDY</a:t>
+            </a:r>
+          </a:p>
+          <a:p>
+            <a:r>
+              <a:rPr lang="en-US" dirty="0" err="1" smtClean="0"/>
+              <a:t>HTTPbis</a:t>
+            </a:r>
+            <a:endParaRPr lang="en-US" dirty="0" smtClean="0"/>
+          </a:p>
+          <a:p>
+            <a:r>
+              <a:rPr lang="en-US" dirty="0" smtClean="0"/>
+              <a:t>HTTP Link Header</a:t>
+            </a:r>
+          </a:p>
+          <a:p>
+            <a:r>
+              <a:rPr lang="en-US" dirty="0" err="1" smtClean="0"/>
+              <a:t>Microformats</a:t>
+            </a:r>
+            <a:endParaRPr lang="en-US" dirty="0" smtClean="0"/>
+          </a:p>
+          <a:p>
+            <a:r>
+              <a:rPr lang="en-US" dirty="0" smtClean="0"/>
+              <a:t>RDDL</a:t>
+            </a:r>
+          </a:p>
+          <a:p>
+            <a:r>
+              <a:rPr lang="en-US" dirty="0" smtClean="0"/>
+              <a:t>…</a:t>
+            </a:r>
+          </a:p>
+          <a:p>
+            <a:endParaRPr lang="en-US" dirty="0"/>
+          </a:p>
+        </p:txBody>
+      </p:sp>
+    </p:spTree>
+    <p:extLst>
+      <p:ext uri="{BB962C8B-B14F-4D97-AF65-F5344CB8AC3E}">
+        <p14:creationId xmlns:p14="http://schemas.microsoft.com/office/powerpoint/2010/main" val="1255539898"/>
+      </p:ext>
+    </p:extLst>
+  </p:cSld>
+  <p:clrMapOvr>
+    <a:masterClrMapping/>
+  </p:clrMapOvr>
+</p:sld>
+</file>
+
+<file path=ppt/slides/slide31.xml><?xml version="1.0" encoding="utf-8"?>
+<p:sld xmlns:a="http://schemas.openxmlformats.org/drawingml/2006/main" xmlns:r="http://schemas.openxmlformats.org/officeDocument/2006/relationships" xmlns:p="http://schemas.openxmlformats.org/presentationml/2006/main">
+  <p:cSld>
+    <p:spTree>
+      <p:nvGrpSpPr>
+        <p:cNvPr id="1" name=""/>
+        <p:cNvGrpSpPr/>
+        <p:nvPr/>
+      </p:nvGrpSpPr>
+      <p:grpSpPr>
+        <a:xfrm>
+          <a:off x="0" y="0"/>
+          <a:ext cx="0" cy="0"/>
+          <a:chOff x="0" y="0"/>
+          <a:chExt cx="0" cy="0"/>
+        </a:xfrm>
+      </p:grpSpPr>
+      <p:sp>
+        <p:nvSpPr>
+          <p:cNvPr id="2" name="Title 1"/>
+          <p:cNvSpPr>
+            <a:spLocks noGrp="1"/>
+          </p:cNvSpPr>
+          <p:nvPr>
+            <p:ph type="title"/>
+          </p:nvPr>
+        </p:nvSpPr>
+        <p:spPr/>
+        <p:txBody>
+          <a:bodyPr/>
+          <a:lstStyle/>
+          <a:p>
+            <a:r>
+              <a:rPr lang="en-US" dirty="0" smtClean="0"/>
               <a:t>Quick look at the Sample Service</a:t>
             </a:r>
             <a:endParaRPr lang="en-US" dirty="0"/>
@@ -10428,7 +10513,7 @@
 </p:sld>
 </file>
 
-<file path=ppt/slides/slide31.xml><?xml version="1.0" encoding="utf-8"?>
+<file path=ppt/slides/slide32.xml><?xml version="1.0" encoding="utf-8"?>
 <p:sld xmlns:a="http://schemas.openxmlformats.org/drawingml/2006/main" xmlns:r="http://schemas.openxmlformats.org/officeDocument/2006/relationships" xmlns:p="http://schemas.openxmlformats.org/presentationml/2006/main">
   <p:cSld>
     <p:spTree>
@@ -10685,7 +10770,7 @@
 </p:sld>
 </file>
 
-<file path=ppt/slides/slide32.xml><?xml version="1.0" encoding="utf-8"?>
+<file path=ppt/slides/slide33.xml><?xml version="1.0" encoding="utf-8"?>
 <p:sld xmlns:a="http://schemas.openxmlformats.org/drawingml/2006/main" xmlns:r="http://schemas.openxmlformats.org/officeDocument/2006/relationships" xmlns:p="http://schemas.openxmlformats.org/presentationml/2006/main">
   <p:cSld>
     <p:spTree>
@@ -10769,7 +10854,7 @@
 </p:sld>
 </file>
 
-<file path=ppt/slides/slide33.xml><?xml version="1.0" encoding="utf-8"?>
+<file path=ppt/slides/slide34.xml><?xml version="1.0" encoding="utf-8"?>
 <p:sld xmlns:a="http://schemas.openxmlformats.org/drawingml/2006/main" xmlns:r="http://schemas.openxmlformats.org/officeDocument/2006/relationships" xmlns:p="http://schemas.openxmlformats.org/presentationml/2006/main">
   <p:cSld>
     <p:spTree>
@@ -10849,7 +10934,7 @@
 </p:sld>
 </file>
 
-<file path=ppt/slides/slide34.xml><?xml version="1.0" encoding="utf-8"?>
+<file path=ppt/slides/slide35.xml><?xml version="1.0" encoding="utf-8"?>
 <p:sld xmlns:a="http://schemas.openxmlformats.org/drawingml/2006/main" xmlns:r="http://schemas.openxmlformats.org/officeDocument/2006/relationships" xmlns:p="http://schemas.openxmlformats.org/presentationml/2006/main">
   <p:cSld>
     <p:spTree>
@@ -10902,7 +10987,7 @@
 </p:sld>
 </file>
 
-<file path=ppt/slides/slide35.xml><?xml version="1.0" encoding="utf-8"?>
+<file path=ppt/slides/slide36.xml><?xml version="1.0" encoding="utf-8"?>
 <p:sld xmlns:a="http://schemas.openxmlformats.org/drawingml/2006/main" xmlns:r="http://schemas.openxmlformats.org/officeDocument/2006/relationships" xmlns:p="http://schemas.openxmlformats.org/presentationml/2006/main">
   <p:cSld>
     <p:spTree>
